--- a/게임소프트웨어공학/게임 소프트웨어 공학 (Lecture 1).pptx
+++ b/게임소프트웨어공학/게임 소프트웨어 공학 (Lecture 1).pptx
@@ -143,10 +143,10 @@
   </p:defaultTextStyle>
   <p:extLst>
     <p:ext uri="{EFAFB233-063F-42B5-8137-9DF3F51BA10A}">
-      <p15:sldGuideLst xmlns:p15="http://schemas.microsoft.com/office/powerpoint/2012/main"/>
+      <p15:sldGuideLst xmlns:p15="http://schemas.microsoft.com/office/powerpoint/2012/main" xmlns=""/>
     </p:ext>
     <p:ext uri="{2D200454-40CA-4A62-9FC3-DE9A4176ACB9}">
-      <p15:notesGuideLst xmlns:p15="http://schemas.microsoft.com/office/powerpoint/2012/main"/>
+      <p15:notesGuideLst xmlns:p15="http://schemas.microsoft.com/office/powerpoint/2012/main" xmlns=""/>
     </p:ext>
   </p:extLst>
 </p:presentation>
@@ -234,7 +234,7 @@
           <a:p>
             <a:fld id="{B83E6ACC-2BC2-4696-B17F-58B7A0A446DF}" type="datetimeFigureOut">
               <a:rPr lang="ko-KR" altLang="en-US" smtClean="0"/>
-              <a:t>2019-09-10</a:t>
+              <a:t>2019-09-24</a:t>
             </a:fld>
             <a:endParaRPr lang="ko-KR" altLang="en-US"/>
           </a:p>
@@ -502,6 +502,300 @@
 </p:notesMaster>
 </file>
 
+<file path=ppt/notesSlides/notesSlide1.xml><?xml version="1.0" encoding="utf-8"?>
+<p:notes xmlns:a="http://schemas.openxmlformats.org/drawingml/2006/main" xmlns:r="http://schemas.openxmlformats.org/officeDocument/2006/relationships" xmlns:p="http://schemas.openxmlformats.org/presentationml/2006/main">
+  <p:cSld>
+    <p:spTree>
+      <p:nvGrpSpPr>
+        <p:cNvPr id="1" name=""/>
+        <p:cNvGrpSpPr/>
+        <p:nvPr/>
+      </p:nvGrpSpPr>
+      <p:grpSpPr>
+        <a:xfrm>
+          <a:off x="0" y="0"/>
+          <a:ext cx="0" cy="0"/>
+          <a:chOff x="0" y="0"/>
+          <a:chExt cx="0" cy="0"/>
+        </a:xfrm>
+      </p:grpSpPr>
+      <p:sp>
+        <p:nvSpPr>
+          <p:cNvPr id="2" name="슬라이드 이미지 개체 틀 1"/>
+          <p:cNvSpPr>
+            <a:spLocks noGrp="1" noRot="1" noChangeAspect="1"/>
+          </p:cNvSpPr>
+          <p:nvPr>
+            <p:ph type="sldImg"/>
+          </p:nvPr>
+        </p:nvSpPr>
+        <p:spPr/>
+      </p:sp>
+      <p:sp>
+        <p:nvSpPr>
+          <p:cNvPr id="3" name="슬라이드 노트 개체 틀 2"/>
+          <p:cNvSpPr>
+            <a:spLocks noGrp="1"/>
+          </p:cNvSpPr>
+          <p:nvPr>
+            <p:ph type="body" idx="1"/>
+          </p:nvPr>
+        </p:nvSpPr>
+        <p:spPr/>
+        <p:txBody>
+          <a:bodyPr/>
+          <a:lstStyle/>
+          <a:p>
+            <a:r>
+              <a:rPr lang="ko-KR" altLang="en-US" dirty="0" smtClean="0"/>
+              <a:t>소프트웨어 구조 예시</a:t>
+            </a:r>
+          </a:p>
+          <a:p>
+            <a:r>
+              <a:rPr lang="ko-KR" altLang="en-US" dirty="0" smtClean="0"/>
+              <a:t>사용자</a:t>
+            </a:r>
+            <a:r>
+              <a:rPr lang="en-US" altLang="ko-KR" dirty="0" smtClean="0"/>
+              <a:t>&lt;-&gt;</a:t>
+            </a:r>
+            <a:r>
+              <a:rPr lang="ko-KR" altLang="en-US" dirty="0" smtClean="0"/>
+              <a:t>응용 소프트웨어</a:t>
+            </a:r>
+            <a:r>
+              <a:rPr lang="en-US" altLang="ko-KR" dirty="0" smtClean="0"/>
+              <a:t>&lt;-&gt;</a:t>
+            </a:r>
+            <a:r>
+              <a:rPr lang="ko-KR" altLang="en-US" dirty="0" smtClean="0"/>
+              <a:t>운영체제</a:t>
+            </a:r>
+            <a:r>
+              <a:rPr lang="en-US" altLang="ko-KR" dirty="0" smtClean="0"/>
+              <a:t>&lt;-&gt;</a:t>
+            </a:r>
+            <a:r>
+              <a:rPr lang="ko-KR" altLang="en-US" dirty="0" smtClean="0"/>
+              <a:t>하드웨어</a:t>
+            </a:r>
+          </a:p>
+          <a:p>
+            <a:r>
+              <a:rPr lang="ko-KR" altLang="en-US" dirty="0" err="1" smtClean="0"/>
+              <a:t>빈칸넣기</a:t>
+            </a:r>
+            <a:r>
+              <a:rPr lang="ko-KR" altLang="en-US" dirty="0" smtClean="0"/>
+              <a:t> 형식으로 </a:t>
+            </a:r>
+            <a:r>
+              <a:rPr lang="ko-KR" altLang="en-US" dirty="0" err="1" smtClean="0"/>
+              <a:t>문제나옴</a:t>
+            </a:r>
+            <a:endParaRPr lang="ko-KR" altLang="en-US" dirty="0" smtClean="0"/>
+          </a:p>
+          <a:p>
+            <a:endParaRPr lang="ko-KR" altLang="en-US" dirty="0"/>
+          </a:p>
+        </p:txBody>
+      </p:sp>
+      <p:sp>
+        <p:nvSpPr>
+          <p:cNvPr id="4" name="슬라이드 번호 개체 틀 3"/>
+          <p:cNvSpPr>
+            <a:spLocks noGrp="1"/>
+          </p:cNvSpPr>
+          <p:nvPr>
+            <p:ph type="sldNum" sz="quarter" idx="10"/>
+          </p:nvPr>
+        </p:nvSpPr>
+        <p:spPr/>
+        <p:txBody>
+          <a:bodyPr/>
+          <a:lstStyle/>
+          <a:p>
+            <a:fld id="{BDEC8931-3F30-4438-BEDA-F2EA4798D557}" type="slidenum">
+              <a:rPr lang="ko-KR" altLang="en-US" smtClean="0"/>
+              <a:t>4</a:t>
+            </a:fld>
+            <a:endParaRPr lang="ko-KR" altLang="en-US"/>
+          </a:p>
+        </p:txBody>
+      </p:sp>
+    </p:spTree>
+    <p:extLst>
+      <p:ext uri="{BB962C8B-B14F-4D97-AF65-F5344CB8AC3E}">
+        <p14:creationId xmlns:p14="http://schemas.microsoft.com/office/powerpoint/2010/main" val="4286632658"/>
+      </p:ext>
+    </p:extLst>
+  </p:cSld>
+  <p:clrMapOvr>
+    <a:masterClrMapping/>
+  </p:clrMapOvr>
+</p:notes>
+</file>
+
+<file path=ppt/notesSlides/notesSlide2.xml><?xml version="1.0" encoding="utf-8"?>
+<p:notes xmlns:a="http://schemas.openxmlformats.org/drawingml/2006/main" xmlns:r="http://schemas.openxmlformats.org/officeDocument/2006/relationships" xmlns:p="http://schemas.openxmlformats.org/presentationml/2006/main">
+  <p:cSld>
+    <p:spTree>
+      <p:nvGrpSpPr>
+        <p:cNvPr id="1" name=""/>
+        <p:cNvGrpSpPr/>
+        <p:nvPr/>
+      </p:nvGrpSpPr>
+      <p:grpSpPr>
+        <a:xfrm>
+          <a:off x="0" y="0"/>
+          <a:ext cx="0" cy="0"/>
+          <a:chOff x="0" y="0"/>
+          <a:chExt cx="0" cy="0"/>
+        </a:xfrm>
+      </p:grpSpPr>
+      <p:sp>
+        <p:nvSpPr>
+          <p:cNvPr id="2" name="슬라이드 이미지 개체 틀 1"/>
+          <p:cNvSpPr>
+            <a:spLocks noGrp="1" noRot="1" noChangeAspect="1"/>
+          </p:cNvSpPr>
+          <p:nvPr>
+            <p:ph type="sldImg"/>
+          </p:nvPr>
+        </p:nvSpPr>
+        <p:spPr/>
+      </p:sp>
+      <p:sp>
+        <p:nvSpPr>
+          <p:cNvPr id="3" name="슬라이드 노트 개체 틀 2"/>
+          <p:cNvSpPr>
+            <a:spLocks noGrp="1"/>
+          </p:cNvSpPr>
+          <p:nvPr>
+            <p:ph type="body" idx="1"/>
+          </p:nvPr>
+        </p:nvSpPr>
+        <p:spPr/>
+        <p:txBody>
+          <a:bodyPr/>
+          <a:lstStyle/>
+          <a:p>
+            <a:r>
+              <a:rPr lang="ko-KR" altLang="en-US" dirty="0" smtClean="0"/>
+              <a:t>소프트웨어 분야</a:t>
+            </a:r>
+          </a:p>
+          <a:p>
+            <a:r>
+              <a:rPr lang="ko-KR" altLang="en-US" dirty="0" smtClean="0"/>
+              <a:t>응용 소프트웨어</a:t>
+            </a:r>
+            <a:r>
+              <a:rPr lang="en-US" altLang="ko-KR" dirty="0" smtClean="0"/>
+              <a:t>(</a:t>
+            </a:r>
+            <a:r>
+              <a:rPr lang="ko-KR" altLang="en-US" dirty="0" smtClean="0"/>
+              <a:t>오피스</a:t>
+            </a:r>
+            <a:r>
+              <a:rPr lang="en-US" altLang="ko-KR" dirty="0" smtClean="0"/>
+              <a:t>, </a:t>
+            </a:r>
+            <a:r>
+              <a:rPr lang="ko-KR" altLang="en-US" dirty="0" smtClean="0"/>
+              <a:t>게임</a:t>
+            </a:r>
+            <a:r>
+              <a:rPr lang="en-US" altLang="ko-KR" dirty="0" smtClean="0"/>
+              <a:t>), </a:t>
+            </a:r>
+            <a:r>
+              <a:rPr lang="ko-KR" altLang="en-US" dirty="0" smtClean="0"/>
+              <a:t>시스템 소프트웨어</a:t>
+            </a:r>
+            <a:r>
+              <a:rPr lang="en-US" altLang="ko-KR" dirty="0" smtClean="0"/>
+              <a:t>(</a:t>
+            </a:r>
+            <a:r>
+              <a:rPr lang="ko-KR" altLang="en-US" dirty="0" smtClean="0"/>
+              <a:t>운영체제</a:t>
+            </a:r>
+            <a:r>
+              <a:rPr lang="en-US" altLang="ko-KR" dirty="0" smtClean="0"/>
+              <a:t>, </a:t>
+            </a:r>
+            <a:r>
+              <a:rPr lang="ko-KR" altLang="en-US" dirty="0" smtClean="0"/>
+              <a:t>그래픽 드라이버</a:t>
+            </a:r>
+            <a:r>
+              <a:rPr lang="en-US" altLang="ko-KR" dirty="0" smtClean="0"/>
+              <a:t>)</a:t>
+            </a:r>
+          </a:p>
+          <a:p>
+            <a:r>
+              <a:rPr lang="ko-KR" altLang="en-US" dirty="0" smtClean="0"/>
+              <a:t>시험에 나옴</a:t>
+            </a:r>
+            <a:r>
+              <a:rPr lang="en-US" altLang="ko-KR" dirty="0" smtClean="0"/>
+              <a:t>(</a:t>
+            </a:r>
+            <a:r>
+              <a:rPr lang="ko-KR" altLang="en-US" dirty="0" smtClean="0"/>
+              <a:t>소프트웨어 분야를 쓰고 각 분야에 해당하는 예시를 들어라</a:t>
+            </a:r>
+            <a:r>
+              <a:rPr lang="en-US" altLang="ko-KR" smtClean="0"/>
+              <a:t>)</a:t>
+            </a:r>
+            <a:endParaRPr lang="ko-KR" altLang="en-US" dirty="0" smtClean="0"/>
+          </a:p>
+          <a:p>
+            <a:endParaRPr lang="ko-KR" altLang="en-US" dirty="0"/>
+          </a:p>
+        </p:txBody>
+      </p:sp>
+      <p:sp>
+        <p:nvSpPr>
+          <p:cNvPr id="4" name="슬라이드 번호 개체 틀 3"/>
+          <p:cNvSpPr>
+            <a:spLocks noGrp="1"/>
+          </p:cNvSpPr>
+          <p:nvPr>
+            <p:ph type="sldNum" sz="quarter" idx="10"/>
+          </p:nvPr>
+        </p:nvSpPr>
+        <p:spPr/>
+        <p:txBody>
+          <a:bodyPr/>
+          <a:lstStyle/>
+          <a:p>
+            <a:fld id="{BDEC8931-3F30-4438-BEDA-F2EA4798D557}" type="slidenum">
+              <a:rPr lang="ko-KR" altLang="en-US" smtClean="0"/>
+              <a:t>6</a:t>
+            </a:fld>
+            <a:endParaRPr lang="ko-KR" altLang="en-US"/>
+          </a:p>
+        </p:txBody>
+      </p:sp>
+    </p:spTree>
+    <p:extLst>
+      <p:ext uri="{BB962C8B-B14F-4D97-AF65-F5344CB8AC3E}">
+        <p14:creationId xmlns:p14="http://schemas.microsoft.com/office/powerpoint/2010/main" val="34103905"/>
+      </p:ext>
+    </p:extLst>
+  </p:cSld>
+  <p:clrMapOvr>
+    <a:masterClrMapping/>
+  </p:clrMapOvr>
+</p:notes>
+</file>
+
 <file path=ppt/slideLayouts/slideLayout1.xml><?xml version="1.0" encoding="utf-8"?>
 <p:sldLayout xmlns:a="http://schemas.openxmlformats.org/drawingml/2006/main" xmlns:r="http://schemas.openxmlformats.org/officeDocument/2006/relationships" xmlns:p="http://schemas.openxmlformats.org/presentationml/2006/main" type="title" preserve="1">
   <p:cSld name="제목 슬라이드">
@@ -633,7 +927,7 @@
           <a:p>
             <a:fld id="{75886E34-028A-43C2-8D62-DB379F692A64}" type="datetimeFigureOut">
               <a:rPr lang="ko-KR" altLang="en-US" smtClean="0"/>
-              <a:t>2019-09-10</a:t>
+              <a:t>2019-09-24</a:t>
             </a:fld>
             <a:endParaRPr lang="ko-KR" altLang="en-US"/>
           </a:p>
@@ -803,7 +1097,7 @@
           <a:p>
             <a:fld id="{75886E34-028A-43C2-8D62-DB379F692A64}" type="datetimeFigureOut">
               <a:rPr lang="ko-KR" altLang="en-US" smtClean="0"/>
-              <a:t>2019-09-10</a:t>
+              <a:t>2019-09-24</a:t>
             </a:fld>
             <a:endParaRPr lang="ko-KR" altLang="en-US"/>
           </a:p>
@@ -983,7 +1277,7 @@
           <a:p>
             <a:fld id="{75886E34-028A-43C2-8D62-DB379F692A64}" type="datetimeFigureOut">
               <a:rPr lang="ko-KR" altLang="en-US" smtClean="0"/>
-              <a:t>2019-09-10</a:t>
+              <a:t>2019-09-24</a:t>
             </a:fld>
             <a:endParaRPr lang="ko-KR" altLang="en-US"/>
           </a:p>
@@ -1153,7 +1447,7 @@
           <a:p>
             <a:fld id="{75886E34-028A-43C2-8D62-DB379F692A64}" type="datetimeFigureOut">
               <a:rPr lang="ko-KR" altLang="en-US" smtClean="0"/>
-              <a:t>2019-09-10</a:t>
+              <a:t>2019-09-24</a:t>
             </a:fld>
             <a:endParaRPr lang="ko-KR" altLang="en-US"/>
           </a:p>
@@ -1399,7 +1693,7 @@
           <a:p>
             <a:fld id="{75886E34-028A-43C2-8D62-DB379F692A64}" type="datetimeFigureOut">
               <a:rPr lang="ko-KR" altLang="en-US" smtClean="0"/>
-              <a:t>2019-09-10</a:t>
+              <a:t>2019-09-24</a:t>
             </a:fld>
             <a:endParaRPr lang="ko-KR" altLang="en-US"/>
           </a:p>
@@ -1631,7 +1925,7 @@
           <a:p>
             <a:fld id="{75886E34-028A-43C2-8D62-DB379F692A64}" type="datetimeFigureOut">
               <a:rPr lang="ko-KR" altLang="en-US" smtClean="0"/>
-              <a:t>2019-09-10</a:t>
+              <a:t>2019-09-24</a:t>
             </a:fld>
             <a:endParaRPr lang="ko-KR" altLang="en-US"/>
           </a:p>
@@ -1998,7 +2292,7 @@
           <a:p>
             <a:fld id="{75886E34-028A-43C2-8D62-DB379F692A64}" type="datetimeFigureOut">
               <a:rPr lang="ko-KR" altLang="en-US" smtClean="0"/>
-              <a:t>2019-09-10</a:t>
+              <a:t>2019-09-24</a:t>
             </a:fld>
             <a:endParaRPr lang="ko-KR" altLang="en-US"/>
           </a:p>
@@ -2116,7 +2410,7 @@
           <a:p>
             <a:fld id="{75886E34-028A-43C2-8D62-DB379F692A64}" type="datetimeFigureOut">
               <a:rPr lang="ko-KR" altLang="en-US" smtClean="0"/>
-              <a:t>2019-09-10</a:t>
+              <a:t>2019-09-24</a:t>
             </a:fld>
             <a:endParaRPr lang="ko-KR" altLang="en-US"/>
           </a:p>
@@ -2211,7 +2505,7 @@
           <a:p>
             <a:fld id="{75886E34-028A-43C2-8D62-DB379F692A64}" type="datetimeFigureOut">
               <a:rPr lang="ko-KR" altLang="en-US" smtClean="0"/>
-              <a:t>2019-09-10</a:t>
+              <a:t>2019-09-24</a:t>
             </a:fld>
             <a:endParaRPr lang="ko-KR" altLang="en-US"/>
           </a:p>
@@ -2488,7 +2782,7 @@
           <a:p>
             <a:fld id="{75886E34-028A-43C2-8D62-DB379F692A64}" type="datetimeFigureOut">
               <a:rPr lang="ko-KR" altLang="en-US" smtClean="0"/>
-              <a:t>2019-09-10</a:t>
+              <a:t>2019-09-24</a:t>
             </a:fld>
             <a:endParaRPr lang="ko-KR" altLang="en-US"/>
           </a:p>
@@ -2741,7 +3035,7 @@
           <a:p>
             <a:fld id="{75886E34-028A-43C2-8D62-DB379F692A64}" type="datetimeFigureOut">
               <a:rPr lang="ko-KR" altLang="en-US" smtClean="0"/>
-              <a:t>2019-09-10</a:t>
+              <a:t>2019-09-24</a:t>
             </a:fld>
             <a:endParaRPr lang="ko-KR" altLang="en-US"/>
           </a:p>
@@ -2954,7 +3248,7 @@
           <a:p>
             <a:fld id="{75886E34-028A-43C2-8D62-DB379F692A64}" type="datetimeFigureOut">
               <a:rPr lang="ko-KR" altLang="en-US" smtClean="0"/>
-              <a:t>2019-09-10</a:t>
+              <a:t>2019-09-24</a:t>
             </a:fld>
             <a:endParaRPr lang="ko-KR" altLang="en-US"/>
           </a:p>
@@ -8234,11 +8528,7 @@
             </a:r>
             <a:r>
               <a:rPr lang="en-US" altLang="ko-KR" dirty="0" smtClean="0"/>
-              <a:t>(Waterfall model</a:t>
-            </a:r>
-            <a:r>
-              <a:rPr lang="en-US" altLang="ko-KR" dirty="0" smtClean="0"/>
-              <a:t>) : </a:t>
+              <a:t>(Waterfall model) : </a:t>
             </a:r>
             <a:r>
               <a:rPr lang="ko-KR" altLang="en-US" dirty="0" smtClean="0"/>
@@ -12408,7 +12698,7 @@
             </a:r>
             <a:r>
               <a:rPr lang="ko-KR" altLang="en-US" dirty="0">
-                <a:hlinkClick r:id="rId2" tooltip="컴퓨터 저장장치"/>
+                <a:hlinkClick r:id="rId3" tooltip="컴퓨터 저장장치"/>
               </a:rPr>
               <a:t>저장장치</a:t>
             </a:r>
@@ -12418,13 +12708,13 @@
             </a:r>
             <a:r>
               <a:rPr lang="ko-KR" altLang="en-US" dirty="0">
-                <a:hlinkClick r:id="rId3" tooltip="컴퓨터 프로그램"/>
+                <a:hlinkClick r:id="rId4" tooltip="컴퓨터 프로그램"/>
               </a:rPr>
               <a:t>컴퓨터 </a:t>
             </a:r>
             <a:r>
               <a:rPr lang="ko-KR" altLang="en-US" dirty="0" smtClean="0">
-                <a:hlinkClick r:id="rId3" tooltip="컴퓨터 프로그램"/>
+                <a:hlinkClick r:id="rId4" tooltip="컴퓨터 프로그램"/>
               </a:rPr>
               <a:t>프로그램</a:t>
             </a:r>
@@ -14162,7 +14452,7 @@
     </a:clrScheme>
     <a:fontScheme name="Office">
       <a:majorFont>
-        <a:latin typeface="맑은 고딕" panose="020F0302020204030204"/>
+        <a:latin typeface="맑은 고딕"/>
         <a:ea typeface=""/>
         <a:cs typeface=""/>
         <a:font script="Jpan" typeface="ＭＳ Ｐゴシック"/>
@@ -14197,7 +14487,7 @@
         <a:font script="Geor" typeface="Sylfaen"/>
       </a:majorFont>
       <a:minorFont>
-        <a:latin typeface="맑은 고딕" panose="020F0502020204030204"/>
+        <a:latin typeface="맑은 고딕"/>
         <a:ea typeface=""/>
         <a:cs typeface=""/>
         <a:font script="Jpan" typeface="ＭＳ Ｐゴシック"/>
@@ -14374,7 +14664,7 @@
   <a:extraClrSchemeLst/>
   <a:extLst>
     <a:ext uri="{05A4C25C-085E-4340-85A3-A5531E510DB2}">
-      <thm15:themeFamily xmlns:thm15="http://schemas.microsoft.com/office/thememl/2012/main" name="Office Theme" id="{62F939B6-93AF-4DB8-9C6B-D6C7DFDC589F}" vid="{4A3C46E8-61CC-4603-A589-7422A47A8E4A}"/>
+      <thm15:themeFamily xmlns:thm15="http://schemas.microsoft.com/office/thememl/2012/main" xmlns="" name="Office Theme" id="{62F939B6-93AF-4DB8-9C6B-D6C7DFDC589F}" vid="{4A3C46E8-61CC-4603-A589-7422A47A8E4A}"/>
     </a:ext>
   </a:extLst>
 </a:theme>
@@ -14423,7 +14713,7 @@
     </a:clrScheme>
     <a:fontScheme name="Office">
       <a:majorFont>
-        <a:latin typeface="맑은 고딕" panose="020F0302020204030204"/>
+        <a:latin typeface="맑은 고딕"/>
         <a:ea typeface=""/>
         <a:cs typeface=""/>
         <a:font script="Jpan" typeface="ＭＳ Ｐゴシック"/>
@@ -14458,7 +14748,7 @@
         <a:font script="Geor" typeface="Sylfaen"/>
       </a:majorFont>
       <a:minorFont>
-        <a:latin typeface="맑은 고딕" panose="020F0502020204030204"/>
+        <a:latin typeface="맑은 고딕"/>
         <a:ea typeface=""/>
         <a:cs typeface=""/>
         <a:font script="Jpan" typeface="ＭＳ Ｐゴシック"/>
@@ -14635,7 +14925,7 @@
   <a:extraClrSchemeLst/>
   <a:extLst>
     <a:ext uri="{05A4C25C-085E-4340-85A3-A5531E510DB2}">
-      <thm15:themeFamily xmlns:thm15="http://schemas.microsoft.com/office/thememl/2012/main" name="Office Theme" id="{62F939B6-93AF-4DB8-9C6B-D6C7DFDC589F}" vid="{4A3C46E8-61CC-4603-A589-7422A47A8E4A}"/>
+      <thm15:themeFamily xmlns:thm15="http://schemas.microsoft.com/office/thememl/2012/main" xmlns="" name="Office Theme" id="{62F939B6-93AF-4DB8-9C6B-D6C7DFDC589F}" vid="{4A3C46E8-61CC-4603-A589-7422A47A8E4A}"/>
     </a:ext>
   </a:extLst>
 </a:theme>
